--- a/docs/SimpleSEDML.pptx
+++ b/docs/SimpleSEDML.pptx
@@ -9,6 +9,7 @@
     <p:sldId id="257" r:id="rId3"/>
     <p:sldId id="258" r:id="rId4"/>
     <p:sldId id="259" r:id="rId5"/>
+    <p:sldId id="260" r:id="rId6"/>
   </p:sldIdLst>
   <p:sldSz cx="12192000" cy="6858000"/>
   <p:notesSz cx="6858000" cy="9144000"/>
@@ -4830,7 +4831,7 @@
         </p:nvSpPr>
         <p:spPr>
           <a:xfrm>
-            <a:off x="3160743" y="4824598"/>
+            <a:off x="3160743" y="5441288"/>
             <a:ext cx="1779373" cy="914400"/>
           </a:xfrm>
           <a:prstGeom prst="rect">
@@ -4896,7 +4897,7 @@
         </p:nvSpPr>
         <p:spPr>
           <a:xfrm>
-            <a:off x="5339651" y="4824598"/>
+            <a:off x="5339651" y="5441288"/>
             <a:ext cx="1779373" cy="914400"/>
           </a:xfrm>
           <a:prstGeom prst="rect">
@@ -4954,7 +4955,7 @@
         </p:nvSpPr>
         <p:spPr>
           <a:xfrm>
-            <a:off x="4079265" y="3443729"/>
+            <a:off x="4079265" y="3815870"/>
             <a:ext cx="1779373" cy="914400"/>
           </a:xfrm>
           <a:prstGeom prst="rect">
@@ -5101,8 +5102,8 @@
         </p:nvSpPr>
         <p:spPr>
           <a:xfrm>
-            <a:off x="7119024" y="2090597"/>
-            <a:ext cx="3964355" cy="738664"/>
+            <a:off x="7002064" y="2090597"/>
+            <a:ext cx="3604577" cy="738664"/>
           </a:xfrm>
           <a:prstGeom prst="rect">
             <a:avLst/>
@@ -5115,41 +5116,21 @@
           </a:bodyPr>
           <a:lstStyle/>
           <a:p>
-            <a:pPr marL="285750" indent="-285750">
-              <a:buFont typeface="Arial" panose="020B0604020202020204" pitchFamily="34" charset="0"/>
-              <a:buChar char="•"/>
-            </a:pPr>
             <a:r>
               <a:rPr lang="en-US" sz="1400" dirty="0"/>
-              <a:t>Specify models (optionally change </a:t>
-            </a:r>
-            <a:r>
-              <a:rPr lang="en-US" sz="1400" dirty="0" err="1"/>
-              <a:t>parmeters</a:t>
-            </a:r>
-            <a:r>
-              <a:rPr lang="en-US" sz="1400" dirty="0"/>
-              <a:t>)</a:t>
-            </a:r>
-          </a:p>
-          <a:p>
-            <a:pPr marL="285750" indent="-285750">
-              <a:buFont typeface="Arial" panose="020B0604020202020204" pitchFamily="34" charset="0"/>
-              <a:buChar char="•"/>
-            </a:pPr>
+              <a:t>Specify models (optionally change parameters)</a:t>
+            </a:r>
+          </a:p>
+          <a:p>
             <a:r>
               <a:rPr lang="en-US" sz="1400" dirty="0"/>
               <a:t>Outputs: reports, plots</a:t>
             </a:r>
           </a:p>
           <a:p>
-            <a:pPr marL="285750" indent="-285750">
-              <a:buFont typeface="Arial" panose="020B0604020202020204" pitchFamily="34" charset="0"/>
-              <a:buChar char="•"/>
-            </a:pPr>
             <a:r>
               <a:rPr lang="en-US" sz="1400" dirty="0"/>
-              <a:t>3 times reduction in statements vs. </a:t>
+              <a:t>66% reduction in statements vs. </a:t>
             </a:r>
             <a:r>
               <a:rPr lang="en-US" sz="1400" dirty="0" err="1"/>
@@ -5176,8 +5157,8 @@
         </p:nvSpPr>
         <p:spPr>
           <a:xfrm>
-            <a:off x="72240" y="2182930"/>
-            <a:ext cx="2734275" cy="307777"/>
+            <a:off x="571979" y="2182930"/>
+            <a:ext cx="2436180" cy="307777"/>
           </a:xfrm>
           <a:prstGeom prst="rect">
             <a:avLst/>
@@ -5190,13 +5171,9 @@
           </a:bodyPr>
           <a:lstStyle/>
           <a:p>
-            <a:pPr marL="285750" indent="-285750">
-              <a:buFont typeface="Arial" panose="020B0604020202020204" pitchFamily="34" charset="0"/>
-              <a:buChar char="•"/>
-            </a:pPr>
             <a:r>
               <a:rPr lang="en-US" sz="1400" dirty="0"/>
-              <a:t>Single API call, single argument</a:t>
+              <a:t>1 API call, 1 required argument</a:t>
             </a:r>
           </a:p>
         </p:txBody>
@@ -5215,8 +5192,8 @@
         </p:nvSpPr>
         <p:spPr>
           <a:xfrm>
-            <a:off x="6056343" y="3519532"/>
-            <a:ext cx="4325800" cy="523220"/>
+            <a:off x="6003178" y="3891673"/>
+            <a:ext cx="4099777" cy="523220"/>
           </a:xfrm>
           <a:prstGeom prst="rect">
             <a:avLst/>
@@ -5229,10 +5206,6 @@
           </a:bodyPr>
           <a:lstStyle/>
           <a:p>
-            <a:pPr marL="285750" indent="-285750">
-              <a:buFont typeface="Arial" panose="020B0604020202020204" pitchFamily="34" charset="0"/>
-              <a:buChar char="•"/>
-            </a:pPr>
             <a:r>
               <a:rPr lang="en-US" sz="1400" dirty="0"/>
               <a:t>Python interface to </a:t>
@@ -5247,10 +5220,6 @@
             </a:r>
           </a:p>
           <a:p>
-            <a:pPr marL="285750" indent="-285750">
-              <a:buFont typeface="Arial" panose="020B0604020202020204" pitchFamily="34" charset="0"/>
-              <a:buChar char="•"/>
-            </a:pPr>
             <a:r>
               <a:rPr lang="en-US" sz="1400" dirty="0"/>
               <a:t>Generalize source (File, string, URL, Antimony, SBML)</a:t>
@@ -5258,10 +5227,579 @@
           </a:p>
         </p:txBody>
       </p:sp>
+      <p:grpSp>
+        <p:nvGrpSpPr>
+          <p:cNvPr id="14" name="Group 13">
+            <a:extLst>
+              <a:ext uri="{FF2B5EF4-FFF2-40B4-BE49-F238E27FC236}">
+                <a16:creationId xmlns:a16="http://schemas.microsoft.com/office/drawing/2014/main" id="{A097C37B-6A85-C7D5-84F1-E991FF56E9DE}"/>
+              </a:ext>
+            </a:extLst>
+          </p:cNvPr>
+          <p:cNvGrpSpPr/>
+          <p:nvPr/>
+        </p:nvGrpSpPr>
+        <p:grpSpPr>
+          <a:xfrm>
+            <a:off x="561341" y="1594884"/>
+            <a:ext cx="10522038" cy="1601556"/>
+            <a:chOff x="561341" y="1594884"/>
+            <a:chExt cx="10522038" cy="1601556"/>
+          </a:xfrm>
+        </p:grpSpPr>
+        <p:sp>
+          <p:nvSpPr>
+            <p:cNvPr id="12" name="Rectangle 11">
+              <a:extLst>
+                <a:ext uri="{FF2B5EF4-FFF2-40B4-BE49-F238E27FC236}">
+                  <a16:creationId xmlns:a16="http://schemas.microsoft.com/office/drawing/2014/main" id="{5DBF3911-5031-DA0C-07C1-D16AEA08D3D6}"/>
+                </a:ext>
+              </a:extLst>
+            </p:cNvPr>
+            <p:cNvSpPr/>
+            <p:nvPr/>
+          </p:nvSpPr>
+          <p:spPr>
+            <a:xfrm>
+              <a:off x="561341" y="1594884"/>
+              <a:ext cx="10522038" cy="1601556"/>
+            </a:xfrm>
+            <a:prstGeom prst="rect">
+              <a:avLst/>
+            </a:prstGeom>
+            <a:noFill/>
+            <a:ln w="19050">
+              <a:solidFill>
+                <a:schemeClr val="tx1"/>
+              </a:solidFill>
+              <a:prstDash val="dash"/>
+            </a:ln>
+          </p:spPr>
+          <p:style>
+            <a:lnRef idx="2">
+              <a:schemeClr val="accent1">
+                <a:shade val="15000"/>
+              </a:schemeClr>
+            </a:lnRef>
+            <a:fillRef idx="1">
+              <a:schemeClr val="accent1"/>
+            </a:fillRef>
+            <a:effectRef idx="0">
+              <a:schemeClr val="accent1"/>
+            </a:effectRef>
+            <a:fontRef idx="minor">
+              <a:schemeClr val="lt1"/>
+            </a:fontRef>
+          </p:style>
+          <p:txBody>
+            <a:bodyPr rtlCol="0" anchor="ctr"/>
+            <a:lstStyle/>
+            <a:p>
+              <a:pPr algn="ctr"/>
+              <a:endParaRPr lang="en-US"/>
+            </a:p>
+          </p:txBody>
+        </p:sp>
+        <p:sp>
+          <p:nvSpPr>
+            <p:cNvPr id="13" name="TextBox 12">
+              <a:extLst>
+                <a:ext uri="{FF2B5EF4-FFF2-40B4-BE49-F238E27FC236}">
+                  <a16:creationId xmlns:a16="http://schemas.microsoft.com/office/drawing/2014/main" id="{7342BF84-0F4D-D330-E0EE-6C268B0A7D4C}"/>
+                </a:ext>
+              </a:extLst>
+            </p:cNvPr>
+            <p:cNvSpPr txBox="1"/>
+            <p:nvPr/>
+          </p:nvSpPr>
+          <p:spPr>
+            <a:xfrm>
+              <a:off x="4472663" y="1637523"/>
+              <a:ext cx="1052789" cy="338554"/>
+            </a:xfrm>
+            <a:prstGeom prst="rect">
+              <a:avLst/>
+            </a:prstGeom>
+            <a:noFill/>
+          </p:spPr>
+          <p:txBody>
+            <a:bodyPr wrap="none" rtlCol="0">
+              <a:spAutoFit/>
+            </a:bodyPr>
+            <a:lstStyle/>
+            <a:p>
+              <a:r>
+                <a:rPr lang="en-US" sz="1600" b="1" dirty="0"/>
+                <a:t>Task Layer</a:t>
+              </a:r>
+            </a:p>
+          </p:txBody>
+        </p:sp>
+      </p:grpSp>
+      <p:grpSp>
+        <p:nvGrpSpPr>
+          <p:cNvPr id="17" name="Group 16">
+            <a:extLst>
+              <a:ext uri="{FF2B5EF4-FFF2-40B4-BE49-F238E27FC236}">
+                <a16:creationId xmlns:a16="http://schemas.microsoft.com/office/drawing/2014/main" id="{DF044FD1-E54B-16F2-2CBC-CCE1F56DBFF7}"/>
+              </a:ext>
+            </a:extLst>
+          </p:cNvPr>
+          <p:cNvGrpSpPr/>
+          <p:nvPr/>
+        </p:nvGrpSpPr>
+        <p:grpSpPr>
+          <a:xfrm>
+            <a:off x="586145" y="3416597"/>
+            <a:ext cx="10522038" cy="1601556"/>
+            <a:chOff x="586145" y="3416597"/>
+            <a:chExt cx="10522038" cy="1601556"/>
+          </a:xfrm>
+        </p:grpSpPr>
+        <p:sp>
+          <p:nvSpPr>
+            <p:cNvPr id="15" name="Rectangle 14">
+              <a:extLst>
+                <a:ext uri="{FF2B5EF4-FFF2-40B4-BE49-F238E27FC236}">
+                  <a16:creationId xmlns:a16="http://schemas.microsoft.com/office/drawing/2014/main" id="{A0A3B464-A5F6-0E1F-10D0-168EF5767715}"/>
+                </a:ext>
+              </a:extLst>
+            </p:cNvPr>
+            <p:cNvSpPr/>
+            <p:nvPr/>
+          </p:nvSpPr>
+          <p:spPr>
+            <a:xfrm>
+              <a:off x="586145" y="3416597"/>
+              <a:ext cx="10522038" cy="1601556"/>
+            </a:xfrm>
+            <a:prstGeom prst="rect">
+              <a:avLst/>
+            </a:prstGeom>
+            <a:noFill/>
+            <a:ln w="19050">
+              <a:solidFill>
+                <a:schemeClr val="tx1"/>
+              </a:solidFill>
+              <a:prstDash val="dash"/>
+            </a:ln>
+          </p:spPr>
+          <p:style>
+            <a:lnRef idx="2">
+              <a:schemeClr val="accent1">
+                <a:shade val="15000"/>
+              </a:schemeClr>
+            </a:lnRef>
+            <a:fillRef idx="1">
+              <a:schemeClr val="accent1"/>
+            </a:fillRef>
+            <a:effectRef idx="0">
+              <a:schemeClr val="accent1"/>
+            </a:effectRef>
+            <a:fontRef idx="minor">
+              <a:schemeClr val="lt1"/>
+            </a:fontRef>
+          </p:style>
+          <p:txBody>
+            <a:bodyPr rtlCol="0" anchor="ctr"/>
+            <a:lstStyle/>
+            <a:p>
+              <a:pPr algn="ctr"/>
+              <a:endParaRPr lang="en-US"/>
+            </a:p>
+          </p:txBody>
+        </p:sp>
+        <p:sp>
+          <p:nvSpPr>
+            <p:cNvPr id="16" name="TextBox 15">
+              <a:extLst>
+                <a:ext uri="{FF2B5EF4-FFF2-40B4-BE49-F238E27FC236}">
+                  <a16:creationId xmlns:a16="http://schemas.microsoft.com/office/drawing/2014/main" id="{8803D345-570D-7E84-ECF5-51D0F886D556}"/>
+                </a:ext>
+              </a:extLst>
+            </p:cNvPr>
+            <p:cNvSpPr txBox="1"/>
+            <p:nvPr/>
+          </p:nvSpPr>
+          <p:spPr>
+            <a:xfrm>
+              <a:off x="3967765" y="3426436"/>
+              <a:ext cx="1833194" cy="338554"/>
+            </a:xfrm>
+            <a:prstGeom prst="rect">
+              <a:avLst/>
+            </a:prstGeom>
+            <a:noFill/>
+          </p:spPr>
+          <p:txBody>
+            <a:bodyPr wrap="none" rtlCol="0">
+              <a:spAutoFit/>
+            </a:bodyPr>
+            <a:lstStyle/>
+            <a:p>
+              <a:r>
+                <a:rPr lang="en-US" sz="1600" b="1" dirty="0"/>
+                <a:t>Virtualization Layer</a:t>
+              </a:r>
+            </a:p>
+          </p:txBody>
+        </p:sp>
+      </p:grpSp>
     </p:spTree>
     <p:extLst>
       <p:ext uri="{BB962C8B-B14F-4D97-AF65-F5344CB8AC3E}">
         <p14:creationId xmlns:p14="http://schemas.microsoft.com/office/powerpoint/2010/main" val="4047729441"/>
+      </p:ext>
+    </p:extLst>
+  </p:cSld>
+  <p:clrMapOvr>
+    <a:masterClrMapping/>
+  </p:clrMapOvr>
+  <p:timing>
+    <p:tnLst>
+      <p:par>
+        <p:cTn id="1" dur="indefinite" restart="never" nodeType="tmRoot">
+          <p:childTnLst>
+            <p:seq concurrent="1" nextAc="seek">
+              <p:cTn id="2" dur="indefinite" nodeType="mainSeq">
+                <p:childTnLst>
+                  <p:par>
+                    <p:cTn id="3" fill="hold">
+                      <p:stCondLst>
+                        <p:cond delay="indefinite"/>
+                      </p:stCondLst>
+                      <p:childTnLst>
+                        <p:par>
+                          <p:cTn id="4" fill="hold">
+                            <p:stCondLst>
+                              <p:cond delay="0"/>
+                            </p:stCondLst>
+                            <p:childTnLst>
+                              <p:par>
+                                <p:cTn id="5" presetID="1" presetClass="entr" presetSubtype="0" fill="hold" grpId="0" nodeType="clickEffect">
+                                  <p:stCondLst>
+                                    <p:cond delay="0"/>
+                                  </p:stCondLst>
+                                  <p:childTnLst>
+                                    <p:set>
+                                      <p:cBhvr>
+                                        <p:cTn id="6" dur="1" fill="hold">
+                                          <p:stCondLst>
+                                            <p:cond delay="0"/>
+                                          </p:stCondLst>
+                                        </p:cTn>
+                                        <p:tgtEl>
+                                          <p:spTgt spid="6"/>
+                                        </p:tgtEl>
+                                        <p:attrNameLst>
+                                          <p:attrName>style.visibility</p:attrName>
+                                        </p:attrNameLst>
+                                      </p:cBhvr>
+                                      <p:to>
+                                        <p:strVal val="visible"/>
+                                      </p:to>
+                                    </p:set>
+                                  </p:childTnLst>
+                                </p:cTn>
+                              </p:par>
+                              <p:par>
+                                <p:cTn id="7" presetID="1" presetClass="entr" presetSubtype="0" fill="hold" grpId="0" nodeType="withEffect">
+                                  <p:stCondLst>
+                                    <p:cond delay="0"/>
+                                  </p:stCondLst>
+                                  <p:childTnLst>
+                                    <p:set>
+                                      <p:cBhvr>
+                                        <p:cTn id="8" dur="1" fill="hold">
+                                          <p:stCondLst>
+                                            <p:cond delay="0"/>
+                                          </p:stCondLst>
+                                        </p:cTn>
+                                        <p:tgtEl>
+                                          <p:spTgt spid="11"/>
+                                        </p:tgtEl>
+                                        <p:attrNameLst>
+                                          <p:attrName>style.visibility</p:attrName>
+                                        </p:attrNameLst>
+                                      </p:cBhvr>
+                                      <p:to>
+                                        <p:strVal val="visible"/>
+                                      </p:to>
+                                    </p:set>
+                                  </p:childTnLst>
+                                </p:cTn>
+                              </p:par>
+                              <p:par>
+                                <p:cTn id="9" presetID="1" presetClass="entr" presetSubtype="0" fill="hold" nodeType="withEffect">
+                                  <p:stCondLst>
+                                    <p:cond delay="0"/>
+                                  </p:stCondLst>
+                                  <p:childTnLst>
+                                    <p:set>
+                                      <p:cBhvr>
+                                        <p:cTn id="10" dur="1" fill="hold">
+                                          <p:stCondLst>
+                                            <p:cond delay="0"/>
+                                          </p:stCondLst>
+                                        </p:cTn>
+                                        <p:tgtEl>
+                                          <p:spTgt spid="17"/>
+                                        </p:tgtEl>
+                                        <p:attrNameLst>
+                                          <p:attrName>style.visibility</p:attrName>
+                                        </p:attrNameLst>
+                                      </p:cBhvr>
+                                      <p:to>
+                                        <p:strVal val="visible"/>
+                                      </p:to>
+                                    </p:set>
+                                  </p:childTnLst>
+                                </p:cTn>
+                              </p:par>
+                            </p:childTnLst>
+                          </p:cTn>
+                        </p:par>
+                      </p:childTnLst>
+                    </p:cTn>
+                  </p:par>
+                  <p:par>
+                    <p:cTn id="11" fill="hold">
+                      <p:stCondLst>
+                        <p:cond delay="indefinite"/>
+                      </p:stCondLst>
+                      <p:childTnLst>
+                        <p:par>
+                          <p:cTn id="12" fill="hold">
+                            <p:stCondLst>
+                              <p:cond delay="0"/>
+                            </p:stCondLst>
+                            <p:childTnLst>
+                              <p:par>
+                                <p:cTn id="13" presetID="1" presetClass="entr" presetSubtype="0" fill="hold" grpId="0" nodeType="clickEffect">
+                                  <p:stCondLst>
+                                    <p:cond delay="0"/>
+                                  </p:stCondLst>
+                                  <p:childTnLst>
+                                    <p:set>
+                                      <p:cBhvr>
+                                        <p:cTn id="14" dur="1" fill="hold">
+                                          <p:stCondLst>
+                                            <p:cond delay="0"/>
+                                          </p:stCondLst>
+                                        </p:cTn>
+                                        <p:tgtEl>
+                                          <p:spTgt spid="7"/>
+                                        </p:tgtEl>
+                                        <p:attrNameLst>
+                                          <p:attrName>style.visibility</p:attrName>
+                                        </p:attrNameLst>
+                                      </p:cBhvr>
+                                      <p:to>
+                                        <p:strVal val="visible"/>
+                                      </p:to>
+                                    </p:set>
+                                  </p:childTnLst>
+                                </p:cTn>
+                              </p:par>
+                              <p:par>
+                                <p:cTn id="15" presetID="1" presetClass="entr" presetSubtype="0" fill="hold" grpId="0" nodeType="withEffect">
+                                  <p:stCondLst>
+                                    <p:cond delay="0"/>
+                                  </p:stCondLst>
+                                  <p:childTnLst>
+                                    <p:set>
+                                      <p:cBhvr>
+                                        <p:cTn id="16" dur="1" fill="hold">
+                                          <p:stCondLst>
+                                            <p:cond delay="0"/>
+                                          </p:stCondLst>
+                                        </p:cTn>
+                                        <p:tgtEl>
+                                          <p:spTgt spid="8"/>
+                                        </p:tgtEl>
+                                        <p:attrNameLst>
+                                          <p:attrName>style.visibility</p:attrName>
+                                        </p:attrNameLst>
+                                      </p:cBhvr>
+                                      <p:to>
+                                        <p:strVal val="visible"/>
+                                      </p:to>
+                                    </p:set>
+                                  </p:childTnLst>
+                                </p:cTn>
+                              </p:par>
+                              <p:par>
+                                <p:cTn id="17" presetID="1" presetClass="entr" presetSubtype="0" fill="hold" grpId="0" nodeType="withEffect">
+                                  <p:stCondLst>
+                                    <p:cond delay="0"/>
+                                  </p:stCondLst>
+                                  <p:childTnLst>
+                                    <p:set>
+                                      <p:cBhvr>
+                                        <p:cTn id="18" dur="1" fill="hold">
+                                          <p:stCondLst>
+                                            <p:cond delay="0"/>
+                                          </p:stCondLst>
+                                        </p:cTn>
+                                        <p:tgtEl>
+                                          <p:spTgt spid="9"/>
+                                        </p:tgtEl>
+                                        <p:attrNameLst>
+                                          <p:attrName>style.visibility</p:attrName>
+                                        </p:attrNameLst>
+                                      </p:cBhvr>
+                                      <p:to>
+                                        <p:strVal val="visible"/>
+                                      </p:to>
+                                    </p:set>
+                                  </p:childTnLst>
+                                </p:cTn>
+                              </p:par>
+                              <p:par>
+                                <p:cTn id="19" presetID="1" presetClass="entr" presetSubtype="0" fill="hold" nodeType="withEffect">
+                                  <p:stCondLst>
+                                    <p:cond delay="0"/>
+                                  </p:stCondLst>
+                                  <p:childTnLst>
+                                    <p:set>
+                                      <p:cBhvr>
+                                        <p:cTn id="20" dur="1" fill="hold">
+                                          <p:stCondLst>
+                                            <p:cond delay="0"/>
+                                          </p:stCondLst>
+                                        </p:cTn>
+                                        <p:tgtEl>
+                                          <p:spTgt spid="14"/>
+                                        </p:tgtEl>
+                                        <p:attrNameLst>
+                                          <p:attrName>style.visibility</p:attrName>
+                                        </p:attrNameLst>
+                                      </p:cBhvr>
+                                      <p:to>
+                                        <p:strVal val="visible"/>
+                                      </p:to>
+                                    </p:set>
+                                  </p:childTnLst>
+                                </p:cTn>
+                              </p:par>
+                              <p:par>
+                                <p:cTn id="21" presetID="1" presetClass="entr" presetSubtype="0" fill="hold" grpId="0" nodeType="withEffect">
+                                  <p:stCondLst>
+                                    <p:cond delay="0"/>
+                                  </p:stCondLst>
+                                  <p:childTnLst>
+                                    <p:set>
+                                      <p:cBhvr>
+                                        <p:cTn id="22" dur="1" fill="hold">
+                                          <p:stCondLst>
+                                            <p:cond delay="0"/>
+                                          </p:stCondLst>
+                                        </p:cTn>
+                                        <p:tgtEl>
+                                          <p:spTgt spid="10"/>
+                                        </p:tgtEl>
+                                        <p:attrNameLst>
+                                          <p:attrName>style.visibility</p:attrName>
+                                        </p:attrNameLst>
+                                      </p:cBhvr>
+                                      <p:to>
+                                        <p:strVal val="visible"/>
+                                      </p:to>
+                                    </p:set>
+                                  </p:childTnLst>
+                                </p:cTn>
+                              </p:par>
+                            </p:childTnLst>
+                          </p:cTn>
+                        </p:par>
+                      </p:childTnLst>
+                    </p:cTn>
+                  </p:par>
+                </p:childTnLst>
+              </p:cTn>
+              <p:prevCondLst>
+                <p:cond evt="onPrev" delay="0">
+                  <p:tgtEl>
+                    <p:sldTgt/>
+                  </p:tgtEl>
+                </p:cond>
+              </p:prevCondLst>
+              <p:nextCondLst>
+                <p:cond evt="onNext" delay="0">
+                  <p:tgtEl>
+                    <p:sldTgt/>
+                  </p:tgtEl>
+                </p:cond>
+              </p:nextCondLst>
+            </p:seq>
+          </p:childTnLst>
+        </p:cTn>
+      </p:par>
+    </p:tnLst>
+    <p:bldLst>
+      <p:bldP spid="6" grpId="0" animBg="1"/>
+      <p:bldP spid="7" grpId="0" animBg="1"/>
+      <p:bldP spid="8" grpId="0" animBg="1"/>
+      <p:bldP spid="9" grpId="0"/>
+      <p:bldP spid="10" grpId="0"/>
+      <p:bldP spid="11" grpId="0"/>
+    </p:bldLst>
+  </p:timing>
+</p:sld>
+</file>
+
+<file path=ppt/slides/slide5.xml><?xml version="1.0" encoding="utf-8"?>
+<p:sld xmlns:a="http://schemas.openxmlformats.org/drawingml/2006/main" xmlns:r="http://schemas.openxmlformats.org/officeDocument/2006/relationships" xmlns:p="http://schemas.openxmlformats.org/presentationml/2006/main">
+  <p:cSld>
+    <p:spTree>
+      <p:nvGrpSpPr>
+        <p:cNvPr id="1" name=""/>
+        <p:cNvGrpSpPr/>
+        <p:nvPr/>
+      </p:nvGrpSpPr>
+      <p:grpSpPr>
+        <a:xfrm>
+          <a:off x="0" y="0"/>
+          <a:ext cx="0" cy="0"/>
+          <a:chOff x="0" y="0"/>
+          <a:chExt cx="0" cy="0"/>
+        </a:xfrm>
+      </p:grpSpPr>
+      <p:sp>
+        <p:nvSpPr>
+          <p:cNvPr id="2" name="Title 1">
+            <a:extLst>
+              <a:ext uri="{FF2B5EF4-FFF2-40B4-BE49-F238E27FC236}">
+                <a16:creationId xmlns:a16="http://schemas.microsoft.com/office/drawing/2014/main" id="{731819FC-8334-126D-EDBB-D24599B0E192}"/>
+              </a:ext>
+            </a:extLst>
+          </p:cNvPr>
+          <p:cNvSpPr>
+            <a:spLocks noGrp="1"/>
+          </p:cNvSpPr>
+          <p:nvPr>
+            <p:ph type="title"/>
+          </p:nvPr>
+        </p:nvSpPr>
+        <p:spPr/>
+        <p:txBody>
+          <a:bodyPr/>
+          <a:lstStyle/>
+          <a:p>
+            <a:r>
+              <a:rPr lang="en-US" dirty="0">
+                <a:hlinkClick r:id="rId2"/>
+              </a:rPr>
+              <a:t>Example</a:t>
+            </a:r>
+            <a:endParaRPr lang="en-US" dirty="0"/>
+          </a:p>
+        </p:txBody>
+      </p:sp>
+    </p:spTree>
+    <p:extLst>
+      <p:ext uri="{BB962C8B-B14F-4D97-AF65-F5344CB8AC3E}">
+        <p14:creationId xmlns:p14="http://schemas.microsoft.com/office/powerpoint/2010/main" val="3693411674"/>
       </p:ext>
     </p:extLst>
   </p:cSld>

--- a/docs/SimpleSEDML.pptx
+++ b/docs/SimpleSEDML.pptx
@@ -4869,17 +4869,18 @@
                 <a:solidFill>
                   <a:schemeClr val="tx1"/>
                 </a:solidFill>
+                <a:latin typeface="Courier New" panose="02070309020205020404" pitchFamily="49" charset="0"/>
+                <a:cs typeface="Courier New" panose="02070309020205020404" pitchFamily="49" charset="0"/>
               </a:rPr>
-              <a:t>PhraSED</a:t>
-            </a:r>
-            <a:r>
-              <a:rPr lang="en-US" dirty="0">
-                <a:solidFill>
-                  <a:schemeClr val="tx1"/>
-                </a:solidFill>
-              </a:rPr>
-              <a:t>-ML</a:t>
-            </a:r>
+              <a:t>phrasedml</a:t>
+            </a:r>
+            <a:endParaRPr lang="en-US" dirty="0">
+              <a:solidFill>
+                <a:schemeClr val="tx1"/>
+              </a:solidFill>
+              <a:latin typeface="Courier New" panose="02070309020205020404" pitchFamily="49" charset="0"/>
+              <a:cs typeface="Courier New" panose="02070309020205020404" pitchFamily="49" charset="0"/>
+            </a:endParaRPr>
           </a:p>
         </p:txBody>
       </p:sp>
@@ -4935,8 +4936,10 @@
                 <a:solidFill>
                   <a:schemeClr val="tx1"/>
                 </a:solidFill>
+                <a:latin typeface="Courier New" panose="02070309020205020404" pitchFamily="49" charset="0"/>
+                <a:cs typeface="Courier New" panose="02070309020205020404" pitchFamily="49" charset="0"/>
               </a:rPr>
-              <a:t>Tellurium</a:t>
+              <a:t>tellurium</a:t>
             </a:r>
           </a:p>
         </p:txBody>
@@ -5193,7 +5196,7 @@
         <p:spPr>
           <a:xfrm>
             <a:off x="6003178" y="3891673"/>
-            <a:ext cx="4099777" cy="523220"/>
+            <a:ext cx="4540602" cy="523220"/>
           </a:xfrm>
           <a:prstGeom prst="rect">
             <a:avLst/>
@@ -5222,7 +5225,7 @@
           <a:p>
             <a:r>
               <a:rPr lang="en-US" sz="1400" dirty="0"/>
-              <a:t>Generalize source (File, string, URL, Antimony, SBML)</a:t>
+              <a:t>Generalize model source (file, string, URL, Antimony, SBML)</a:t>
             </a:r>
           </a:p>
         </p:txBody>

--- a/docs/SimpleSEDML.pptx
+++ b/docs/SimpleSEDML.pptx
@@ -9,7 +9,8 @@
     <p:sldId id="257" r:id="rId3"/>
     <p:sldId id="258" r:id="rId4"/>
     <p:sldId id="259" r:id="rId5"/>
-    <p:sldId id="260" r:id="rId6"/>
+    <p:sldId id="261" r:id="rId6"/>
+    <p:sldId id="260" r:id="rId7"/>
   </p:sldIdLst>
   <p:sldSz cx="12192000" cy="6858000"/>
   <p:notesSz cx="6858000" cy="9144000"/>
@@ -108,6 +109,11 @@
       </a:defRPr>
     </a:lvl9pPr>
   </p:defaultTextStyle>
+  <p:extLst>
+    <p:ext uri="{EFAFB233-063F-42B5-8137-9DF3F51BA10A}">
+      <p15:sldGuideLst xmlns:p15="http://schemas.microsoft.com/office/powerpoint/2012/main"/>
+    </p:ext>
+  </p:extLst>
 </p:presentation>
 </file>
 
@@ -258,7 +264,7 @@
           <a:p>
             <a:fld id="{608AA959-B90B-2F47-87EB-7AC7C00ACAA3}" type="datetimeFigureOut">
               <a:rPr lang="en-US" smtClean="0"/>
-              <a:t>5/10/25</a:t>
+              <a:t>6/12/25</a:t>
             </a:fld>
             <a:endParaRPr lang="en-US"/>
           </a:p>
@@ -456,7 +462,7 @@
           <a:p>
             <a:fld id="{608AA959-B90B-2F47-87EB-7AC7C00ACAA3}" type="datetimeFigureOut">
               <a:rPr lang="en-US" smtClean="0"/>
-              <a:t>5/10/25</a:t>
+              <a:t>6/12/25</a:t>
             </a:fld>
             <a:endParaRPr lang="en-US"/>
           </a:p>
@@ -664,7 +670,7 @@
           <a:p>
             <a:fld id="{608AA959-B90B-2F47-87EB-7AC7C00ACAA3}" type="datetimeFigureOut">
               <a:rPr lang="en-US" smtClean="0"/>
-              <a:t>5/10/25</a:t>
+              <a:t>6/12/25</a:t>
             </a:fld>
             <a:endParaRPr lang="en-US"/>
           </a:p>
@@ -862,7 +868,7 @@
           <a:p>
             <a:fld id="{608AA959-B90B-2F47-87EB-7AC7C00ACAA3}" type="datetimeFigureOut">
               <a:rPr lang="en-US" smtClean="0"/>
-              <a:t>5/10/25</a:t>
+              <a:t>6/12/25</a:t>
             </a:fld>
             <a:endParaRPr lang="en-US"/>
           </a:p>
@@ -1137,7 +1143,7 @@
           <a:p>
             <a:fld id="{608AA959-B90B-2F47-87EB-7AC7C00ACAA3}" type="datetimeFigureOut">
               <a:rPr lang="en-US" smtClean="0"/>
-              <a:t>5/10/25</a:t>
+              <a:t>6/12/25</a:t>
             </a:fld>
             <a:endParaRPr lang="en-US"/>
           </a:p>
@@ -1402,7 +1408,7 @@
           <a:p>
             <a:fld id="{608AA959-B90B-2F47-87EB-7AC7C00ACAA3}" type="datetimeFigureOut">
               <a:rPr lang="en-US" smtClean="0"/>
-              <a:t>5/10/25</a:t>
+              <a:t>6/12/25</a:t>
             </a:fld>
             <a:endParaRPr lang="en-US"/>
           </a:p>
@@ -1814,7 +1820,7 @@
           <a:p>
             <a:fld id="{608AA959-B90B-2F47-87EB-7AC7C00ACAA3}" type="datetimeFigureOut">
               <a:rPr lang="en-US" smtClean="0"/>
-              <a:t>5/10/25</a:t>
+              <a:t>6/12/25</a:t>
             </a:fld>
             <a:endParaRPr lang="en-US"/>
           </a:p>
@@ -1955,7 +1961,7 @@
           <a:p>
             <a:fld id="{608AA959-B90B-2F47-87EB-7AC7C00ACAA3}" type="datetimeFigureOut">
               <a:rPr lang="en-US" smtClean="0"/>
-              <a:t>5/10/25</a:t>
+              <a:t>6/12/25</a:t>
             </a:fld>
             <a:endParaRPr lang="en-US"/>
           </a:p>
@@ -2068,7 +2074,7 @@
           <a:p>
             <a:fld id="{608AA959-B90B-2F47-87EB-7AC7C00ACAA3}" type="datetimeFigureOut">
               <a:rPr lang="en-US" smtClean="0"/>
-              <a:t>5/10/25</a:t>
+              <a:t>6/12/25</a:t>
             </a:fld>
             <a:endParaRPr lang="en-US"/>
           </a:p>
@@ -2379,7 +2385,7 @@
           <a:p>
             <a:fld id="{608AA959-B90B-2F47-87EB-7AC7C00ACAA3}" type="datetimeFigureOut">
               <a:rPr lang="en-US" smtClean="0"/>
-              <a:t>5/10/25</a:t>
+              <a:t>6/12/25</a:t>
             </a:fld>
             <a:endParaRPr lang="en-US"/>
           </a:p>
@@ -2667,7 +2673,7 @@
           <a:p>
             <a:fld id="{608AA959-B90B-2F47-87EB-7AC7C00ACAA3}" type="datetimeFigureOut">
               <a:rPr lang="en-US" smtClean="0"/>
-              <a:t>5/10/25</a:t>
+              <a:t>6/12/25</a:t>
             </a:fld>
             <a:endParaRPr lang="en-US"/>
           </a:p>
@@ -2908,7 +2914,7 @@
           <a:p>
             <a:fld id="{608AA959-B90B-2F47-87EB-7AC7C00ACAA3}" type="datetimeFigureOut">
               <a:rPr lang="en-US" smtClean="0"/>
-              <a:t>5/10/25</a:t>
+              <a:t>6/12/25</a:t>
             </a:fld>
             <a:endParaRPr lang="en-US"/>
           </a:p>
@@ -3380,6 +3386,12 @@
               <a:t>Joseph L. Hellerstein, Lucian P Smith , Herbert M Sauro</a:t>
             </a:r>
           </a:p>
+          <a:p>
+            <a:r>
+              <a:rPr lang="en-US" dirty="0"/>
+              <a:t>June 16, 2025</a:t>
+            </a:r>
+          </a:p>
         </p:txBody>
       </p:sp>
     </p:spTree>
@@ -3854,7 +3866,7 @@
           <a:p>
             <a:r>
               <a:rPr lang="en-US" dirty="0"/>
-              <a:t>Task: Simulate a single model</a:t>
+              <a:t>Simulate a time course for a single model</a:t>
             </a:r>
           </a:p>
         </p:txBody>
@@ -4281,9 +4293,9 @@
         <p:grpSpPr>
           <a:xfrm>
             <a:off x="5764567" y="4214500"/>
-            <a:ext cx="3236784" cy="857256"/>
+            <a:ext cx="3192929" cy="857256"/>
             <a:chOff x="5764567" y="4214500"/>
-            <a:chExt cx="3236784" cy="857256"/>
+            <a:chExt cx="3192929" cy="857256"/>
           </a:xfrm>
         </p:grpSpPr>
         <p:sp>
@@ -4353,9 +4365,9 @@
           <p:grpSpPr>
             <a:xfrm>
               <a:off x="5764567" y="4214500"/>
-              <a:ext cx="3236784" cy="857256"/>
+              <a:ext cx="2746265" cy="857256"/>
               <a:chOff x="7138676" y="4416518"/>
-              <a:chExt cx="3236784" cy="857256"/>
+              <a:chExt cx="2746265" cy="857256"/>
             </a:xfrm>
           </p:grpSpPr>
           <p:sp>
@@ -4409,7 +4421,7 @@
             <p:spPr>
               <a:xfrm>
                 <a:off x="7138676" y="4858276"/>
-                <a:ext cx="3236784" cy="415498"/>
+                <a:ext cx="2746265" cy="415498"/>
               </a:xfrm>
               <a:prstGeom prst="rect">
                 <a:avLst/>
@@ -4436,10 +4448,13 @@
                   </a:rPr>
                   <a:t>SimpleSEDML</a:t>
                 </a:r>
-                <a:endParaRPr lang="en-US" sz="700" dirty="0">
-                  <a:latin typeface="Courier New" panose="02070309020205020404" pitchFamily="49" charset="0"/>
-                  <a:cs typeface="Courier New" panose="02070309020205020404" pitchFamily="49" charset="0"/>
-                </a:endParaRPr>
+                <a:r>
+                  <a:rPr lang="en-US" sz="700" dirty="0">
+                    <a:latin typeface="Courier New" panose="02070309020205020404" pitchFamily="49" charset="0"/>
+                    <a:cs typeface="Courier New" panose="02070309020205020404" pitchFamily="49" charset="0"/>
+                  </a:rPr>
+                  <a:t> as ss</a:t>
+                </a:r>
               </a:p>
               <a:p>
                 <a:endParaRPr lang="en-US" sz="700" dirty="0">
@@ -4467,7 +4482,7 @@
                     <a:latin typeface="Courier New" panose="02070309020205020404" pitchFamily="49" charset="0"/>
                     <a:cs typeface="Courier New" panose="02070309020205020404" pitchFamily="49" charset="0"/>
                   </a:rPr>
-                  <a:t>SimpleSEDML.makeSingleModelTimeCourse</a:t>
+                  <a:t>ss.makeSingleModelTimeCourse</a:t>
                 </a:r>
                 <a:r>
                   <a:rPr lang="en-US" sz="700" dirty="0">
@@ -5007,7 +5022,7 @@
         </p:nvSpPr>
         <p:spPr>
           <a:xfrm>
-            <a:off x="3000105" y="2062861"/>
+            <a:off x="3639203" y="2062861"/>
             <a:ext cx="1779373" cy="914400"/>
           </a:xfrm>
           <a:prstGeom prst="rect">
@@ -5037,7 +5052,7 @@
             <a:pPr algn="ctr"/>
             <a:r>
               <a:rPr lang="en-US" dirty="0"/>
-              <a:t>Singe Model Time Course</a:t>
+              <a:t>Multiple Model Time Course</a:t>
             </a:r>
           </a:p>
         </p:txBody>
@@ -5056,7 +5071,7 @@
         </p:nvSpPr>
         <p:spPr>
           <a:xfrm>
-            <a:off x="5166657" y="2062861"/>
+            <a:off x="5805755" y="2062861"/>
             <a:ext cx="1779373" cy="914400"/>
           </a:xfrm>
           <a:prstGeom prst="rect">
@@ -5086,97 +5101,7 @@
             <a:pPr algn="ctr"/>
             <a:r>
               <a:rPr lang="en-US" i="1" dirty="0"/>
-              <a:t>Multiple Model Time Course</a:t>
-            </a:r>
-          </a:p>
-        </p:txBody>
-      </p:sp>
-      <p:sp>
-        <p:nvSpPr>
-          <p:cNvPr id="9" name="TextBox 8">
-            <a:extLst>
-              <a:ext uri="{FF2B5EF4-FFF2-40B4-BE49-F238E27FC236}">
-                <a16:creationId xmlns:a16="http://schemas.microsoft.com/office/drawing/2014/main" id="{CF952913-E4E8-4F34-B484-6DA4DBB12E8A}"/>
-              </a:ext>
-            </a:extLst>
-          </p:cNvPr>
-          <p:cNvSpPr txBox="1"/>
-          <p:nvPr/>
-        </p:nvSpPr>
-        <p:spPr>
-          <a:xfrm>
-            <a:off x="7002064" y="2090597"/>
-            <a:ext cx="3604577" cy="738664"/>
-          </a:xfrm>
-          <a:prstGeom prst="rect">
-            <a:avLst/>
-          </a:prstGeom>
-          <a:noFill/>
-        </p:spPr>
-        <p:txBody>
-          <a:bodyPr wrap="none" rtlCol="0">
-            <a:spAutoFit/>
-          </a:bodyPr>
-          <a:lstStyle/>
-          <a:p>
-            <a:r>
-              <a:rPr lang="en-US" sz="1400" dirty="0"/>
-              <a:t>Specify models (optionally change parameters)</a:t>
-            </a:r>
-          </a:p>
-          <a:p>
-            <a:r>
-              <a:rPr lang="en-US" sz="1400" dirty="0"/>
-              <a:t>Outputs: reports, plots</a:t>
-            </a:r>
-          </a:p>
-          <a:p>
-            <a:r>
-              <a:rPr lang="en-US" sz="1400" dirty="0"/>
-              <a:t>66% reduction in statements vs. </a:t>
-            </a:r>
-            <a:r>
-              <a:rPr lang="en-US" sz="1400" dirty="0" err="1"/>
-              <a:t>PhraSED</a:t>
-            </a:r>
-            <a:r>
-              <a:rPr lang="en-US" sz="1400" dirty="0"/>
-              <a:t>-ML</a:t>
-            </a:r>
-          </a:p>
-        </p:txBody>
-      </p:sp>
-      <p:sp>
-        <p:nvSpPr>
-          <p:cNvPr id="10" name="TextBox 9">
-            <a:extLst>
-              <a:ext uri="{FF2B5EF4-FFF2-40B4-BE49-F238E27FC236}">
-                <a16:creationId xmlns:a16="http://schemas.microsoft.com/office/drawing/2014/main" id="{68FEC917-77E4-DE3B-D33C-F4B42D20BABD}"/>
-              </a:ext>
-            </a:extLst>
-          </p:cNvPr>
-          <p:cNvSpPr txBox="1"/>
-          <p:nvPr/>
-        </p:nvSpPr>
-        <p:spPr>
-          <a:xfrm>
-            <a:off x="571979" y="2182930"/>
-            <a:ext cx="2436180" cy="307777"/>
-          </a:xfrm>
-          <a:prstGeom prst="rect">
-            <a:avLst/>
-          </a:prstGeom>
-          <a:noFill/>
-        </p:spPr>
-        <p:txBody>
-          <a:bodyPr wrap="none" rtlCol="0">
-            <a:spAutoFit/>
-          </a:bodyPr>
-          <a:lstStyle/>
-          <a:p>
-            <a:r>
-              <a:rPr lang="en-US" sz="1400" dirty="0"/>
-              <a:t>1 API call, 1 required argument</a:t>
+              <a:t>Single Model Parameter Scan</a:t>
             </a:r>
           </a:p>
         </p:txBody>
@@ -5317,8 +5242,8 @@
           </p:nvSpPr>
           <p:spPr>
             <a:xfrm>
-              <a:off x="4472663" y="1637523"/>
-              <a:ext cx="1052789" cy="338554"/>
+              <a:off x="4669309" y="1637523"/>
+              <a:ext cx="1687578" cy="338554"/>
             </a:xfrm>
             <a:prstGeom prst="rect">
               <a:avLst/>
@@ -5333,7 +5258,7 @@
             <a:p>
               <a:r>
                 <a:rPr lang="en-US" sz="1600" b="1" dirty="0"/>
-                <a:t>Task Layer</a:t>
+                <a:t>Task Oriented API</a:t>
               </a:r>
             </a:p>
           </p:txBody>
@@ -5427,7 +5352,7 @@
           <p:spPr>
             <a:xfrm>
               <a:off x="3967765" y="3426436"/>
-              <a:ext cx="1833194" cy="338554"/>
+              <a:ext cx="1666097" cy="338554"/>
             </a:xfrm>
             <a:prstGeom prst="rect">
               <a:avLst/>
@@ -5442,12 +5367,110 @@
             <a:p>
               <a:r>
                 <a:rPr lang="en-US" sz="1600" b="1" dirty="0"/>
-                <a:t>Virtualization Layer</a:t>
+                <a:t>Virtualization API</a:t>
               </a:r>
             </a:p>
           </p:txBody>
         </p:sp>
       </p:grpSp>
+      <p:sp>
+        <p:nvSpPr>
+          <p:cNvPr id="3" name="Rectangle 2">
+            <a:extLst>
+              <a:ext uri="{FF2B5EF4-FFF2-40B4-BE49-F238E27FC236}">
+                <a16:creationId xmlns:a16="http://schemas.microsoft.com/office/drawing/2014/main" id="{9061DFB2-7515-2482-82C8-33188F65D740}"/>
+              </a:ext>
+            </a:extLst>
+          </p:cNvPr>
+          <p:cNvSpPr/>
+          <p:nvPr/>
+        </p:nvSpPr>
+        <p:spPr>
+          <a:xfrm>
+            <a:off x="1472651" y="2036408"/>
+            <a:ext cx="1779373" cy="914400"/>
+          </a:xfrm>
+          <a:prstGeom prst="rect">
+            <a:avLst/>
+          </a:prstGeom>
+        </p:spPr>
+        <p:style>
+          <a:lnRef idx="2">
+            <a:schemeClr val="accent1">
+              <a:shade val="15000"/>
+            </a:schemeClr>
+          </a:lnRef>
+          <a:fillRef idx="1">
+            <a:schemeClr val="accent1"/>
+          </a:fillRef>
+          <a:effectRef idx="0">
+            <a:schemeClr val="accent1"/>
+          </a:effectRef>
+          <a:fontRef idx="minor">
+            <a:schemeClr val="lt1"/>
+          </a:fontRef>
+        </p:style>
+        <p:txBody>
+          <a:bodyPr rtlCol="0" anchor="ctr"/>
+          <a:lstStyle/>
+          <a:p>
+            <a:pPr algn="ctr"/>
+            <a:r>
+              <a:rPr lang="en-US" dirty="0"/>
+              <a:t>Singe Model Time Course</a:t>
+            </a:r>
+          </a:p>
+        </p:txBody>
+      </p:sp>
+      <p:sp>
+        <p:nvSpPr>
+          <p:cNvPr id="18" name="Rectangle 17">
+            <a:extLst>
+              <a:ext uri="{FF2B5EF4-FFF2-40B4-BE49-F238E27FC236}">
+                <a16:creationId xmlns:a16="http://schemas.microsoft.com/office/drawing/2014/main" id="{EDAE117E-1BBB-83D1-1DA1-7BF59F6088D6}"/>
+              </a:ext>
+            </a:extLst>
+          </p:cNvPr>
+          <p:cNvSpPr/>
+          <p:nvPr/>
+        </p:nvSpPr>
+        <p:spPr>
+          <a:xfrm>
+            <a:off x="7972307" y="2036408"/>
+            <a:ext cx="1779373" cy="914400"/>
+          </a:xfrm>
+          <a:prstGeom prst="rect">
+            <a:avLst/>
+          </a:prstGeom>
+        </p:spPr>
+        <p:style>
+          <a:lnRef idx="2">
+            <a:schemeClr val="accent1">
+              <a:shade val="15000"/>
+            </a:schemeClr>
+          </a:lnRef>
+          <a:fillRef idx="1">
+            <a:schemeClr val="accent1"/>
+          </a:fillRef>
+          <a:effectRef idx="0">
+            <a:schemeClr val="accent1"/>
+          </a:effectRef>
+          <a:fontRef idx="minor">
+            <a:schemeClr val="lt1"/>
+          </a:fontRef>
+        </p:style>
+        <p:txBody>
+          <a:bodyPr rtlCol="0" anchor="ctr"/>
+          <a:lstStyle/>
+          <a:p>
+            <a:pPr algn="ctr"/>
+            <a:r>
+              <a:rPr lang="en-US" i="1" dirty="0"/>
+              <a:t>Multiple Model Parameter Scan</a:t>
+            </a:r>
+          </a:p>
+        </p:txBody>
+      </p:sp>
     </p:spTree>
     <p:extLst>
       <p:ext uri="{BB962C8B-B14F-4D97-AF65-F5344CB8AC3E}">
@@ -5632,7 +5655,7 @@
                                 </p:cTn>
                               </p:par>
                               <p:par>
-                                <p:cTn id="17" presetID="1" presetClass="entr" presetSubtype="0" fill="hold" grpId="0" nodeType="withEffect">
+                                <p:cTn id="17" presetID="1" presetClass="entr" presetSubtype="0" fill="hold" nodeType="withEffect">
                                   <p:stCondLst>
                                     <p:cond delay="0"/>
                                   </p:stCondLst>
@@ -5645,7 +5668,7 @@
                                           </p:stCondLst>
                                         </p:cTn>
                                         <p:tgtEl>
-                                          <p:spTgt spid="9"/>
+                                          <p:spTgt spid="14"/>
                                         </p:tgtEl>
                                         <p:attrNameLst>
                                           <p:attrName>style.visibility</p:attrName>
@@ -5659,7 +5682,7 @@
                                 </p:cTn>
                               </p:par>
                               <p:par>
-                                <p:cTn id="19" presetID="1" presetClass="entr" presetSubtype="0" fill="hold" nodeType="withEffect">
+                                <p:cTn id="19" presetID="1" presetClass="entr" presetSubtype="0" fill="hold" grpId="0" nodeType="withEffect">
                                   <p:stCondLst>
                                     <p:cond delay="0"/>
                                   </p:stCondLst>
@@ -5672,7 +5695,7 @@
                                           </p:stCondLst>
                                         </p:cTn>
                                         <p:tgtEl>
-                                          <p:spTgt spid="14"/>
+                                          <p:spTgt spid="18"/>
                                         </p:tgtEl>
                                         <p:attrNameLst>
                                           <p:attrName>style.visibility</p:attrName>
@@ -5699,7 +5722,7 @@
                                           </p:stCondLst>
                                         </p:cTn>
                                         <p:tgtEl>
-                                          <p:spTgt spid="10"/>
+                                          <p:spTgt spid="3"/>
                                         </p:tgtEl>
                                         <p:attrNameLst>
                                           <p:attrName>style.visibility</p:attrName>
@@ -5743,15 +5766,543 @@
       <p:bldP spid="6" grpId="0" animBg="1"/>
       <p:bldP spid="7" grpId="0" animBg="1"/>
       <p:bldP spid="8" grpId="0" animBg="1"/>
-      <p:bldP spid="9" grpId="0"/>
-      <p:bldP spid="10" grpId="0"/>
       <p:bldP spid="11" grpId="0"/>
+      <p:bldP spid="3" grpId="0" animBg="1"/>
+      <p:bldP spid="18" grpId="0" animBg="1"/>
     </p:bldLst>
   </p:timing>
 </p:sld>
 </file>
 
 <file path=ppt/slides/slide5.xml><?xml version="1.0" encoding="utf-8"?>
+<p:sld xmlns:a="http://schemas.openxmlformats.org/drawingml/2006/main" xmlns:r="http://schemas.openxmlformats.org/officeDocument/2006/relationships" xmlns:p="http://schemas.openxmlformats.org/presentationml/2006/main">
+  <p:cSld>
+    <p:spTree>
+      <p:nvGrpSpPr>
+        <p:cNvPr id="1" name=""/>
+        <p:cNvGrpSpPr/>
+        <p:nvPr/>
+      </p:nvGrpSpPr>
+      <p:grpSpPr>
+        <a:xfrm>
+          <a:off x="0" y="0"/>
+          <a:ext cx="0" cy="0"/>
+          <a:chOff x="0" y="0"/>
+          <a:chExt cx="0" cy="0"/>
+        </a:xfrm>
+      </p:grpSpPr>
+      <p:sp>
+        <p:nvSpPr>
+          <p:cNvPr id="2" name="Title 1">
+            <a:extLst>
+              <a:ext uri="{FF2B5EF4-FFF2-40B4-BE49-F238E27FC236}">
+                <a16:creationId xmlns:a16="http://schemas.microsoft.com/office/drawing/2014/main" id="{B28E04EC-0C43-D3DC-4536-AEBC6C37E8FB}"/>
+              </a:ext>
+            </a:extLst>
+          </p:cNvPr>
+          <p:cNvSpPr>
+            <a:spLocks noGrp="1"/>
+          </p:cNvSpPr>
+          <p:nvPr>
+            <p:ph type="title"/>
+          </p:nvPr>
+        </p:nvSpPr>
+        <p:spPr/>
+        <p:txBody>
+          <a:bodyPr/>
+          <a:lstStyle/>
+          <a:p>
+            <a:r>
+              <a:rPr lang="en-US" dirty="0"/>
+              <a:t>Template for Task Oriented API</a:t>
+            </a:r>
+          </a:p>
+        </p:txBody>
+      </p:sp>
+      <p:sp>
+        <p:nvSpPr>
+          <p:cNvPr id="3" name="Content Placeholder 2">
+            <a:extLst>
+              <a:ext uri="{FF2B5EF4-FFF2-40B4-BE49-F238E27FC236}">
+                <a16:creationId xmlns:a16="http://schemas.microsoft.com/office/drawing/2014/main" id="{73FDC5E3-1889-E28C-1B44-75FDF6177CA4}"/>
+              </a:ext>
+            </a:extLst>
+          </p:cNvPr>
+          <p:cNvSpPr>
+            <a:spLocks noGrp="1"/>
+          </p:cNvSpPr>
+          <p:nvPr>
+            <p:ph idx="1"/>
+          </p:nvPr>
+        </p:nvSpPr>
+        <p:spPr/>
+        <p:txBody>
+          <a:bodyPr>
+            <a:normAutofit/>
+          </a:bodyPr>
+          <a:lstStyle/>
+          <a:p>
+            <a:r>
+              <a:rPr lang="en-US" dirty="0"/>
+              <a:t>One required argument: Model(s)</a:t>
+            </a:r>
+          </a:p>
+          <a:p>
+            <a:r>
+              <a:rPr lang="en-US" dirty="0"/>
+              <a:t>Models can be specified in many ways</a:t>
+            </a:r>
+          </a:p>
+          <a:p>
+            <a:pPr lvl="1"/>
+            <a:r>
+              <a:rPr lang="en-US" dirty="0"/>
+              <a:t>SBML or Antimony</a:t>
+            </a:r>
+          </a:p>
+          <a:p>
+            <a:pPr lvl="1"/>
+            <a:r>
+              <a:rPr lang="en-US" dirty="0"/>
+              <a:t>String, local file, URL</a:t>
+            </a:r>
+          </a:p>
+          <a:p>
+            <a:pPr marL="457200" lvl="1" indent="0">
+              <a:buNone/>
+            </a:pPr>
+            <a:r>
+              <a:rPr lang="en-US" i="1" u="sng" dirty="0" err="1"/>
+              <a:t>PhraSED</a:t>
+            </a:r>
+            <a:r>
+              <a:rPr lang="en-US" i="1" u="sng" dirty="0"/>
+              <a:t>-ML only accepts a local SBML file</a:t>
+            </a:r>
+            <a:r>
+              <a:rPr lang="en-US" dirty="0"/>
+              <a:t>.</a:t>
+            </a:r>
+          </a:p>
+          <a:p>
+            <a:r>
+              <a:rPr lang="en-US" dirty="0"/>
+              <a:t>Methods for the task-oriented API</a:t>
+            </a:r>
+          </a:p>
+          <a:p>
+            <a:pPr lvl="1"/>
+            <a:r>
+              <a:rPr lang="en-US" dirty="0" err="1">
+                <a:latin typeface="Courier New" panose="02070309020205020404" pitchFamily="49" charset="0"/>
+                <a:cs typeface="Courier New" panose="02070309020205020404" pitchFamily="49" charset="0"/>
+              </a:rPr>
+              <a:t>getPhraSEDML</a:t>
+            </a:r>
+            <a:endParaRPr lang="en-US" dirty="0">
+              <a:latin typeface="Courier New" panose="02070309020205020404" pitchFamily="49" charset="0"/>
+              <a:cs typeface="Courier New" panose="02070309020205020404" pitchFamily="49" charset="0"/>
+            </a:endParaRPr>
+          </a:p>
+          <a:p>
+            <a:pPr lvl="1"/>
+            <a:r>
+              <a:rPr lang="en-US" dirty="0" err="1">
+                <a:latin typeface="Courier New" panose="02070309020205020404" pitchFamily="49" charset="0"/>
+                <a:cs typeface="Courier New" panose="02070309020205020404" pitchFamily="49" charset="0"/>
+              </a:rPr>
+              <a:t>getSEDML</a:t>
+            </a:r>
+            <a:endParaRPr lang="en-US" dirty="0">
+              <a:latin typeface="Courier New" panose="02070309020205020404" pitchFamily="49" charset="0"/>
+              <a:cs typeface="Courier New" panose="02070309020205020404" pitchFamily="49" charset="0"/>
+            </a:endParaRPr>
+          </a:p>
+          <a:p>
+            <a:pPr lvl="1"/>
+            <a:r>
+              <a:rPr lang="en-US" dirty="0">
+                <a:latin typeface="Courier New" panose="02070309020205020404" pitchFamily="49" charset="0"/>
+                <a:cs typeface="Courier New" panose="02070309020205020404" pitchFamily="49" charset="0"/>
+              </a:rPr>
+              <a:t>execute</a:t>
+            </a:r>
+          </a:p>
+          <a:p>
+            <a:pPr lvl="1"/>
+            <a:r>
+              <a:rPr lang="en-US" dirty="0" err="1">
+                <a:latin typeface="Courier New" panose="02070309020205020404" pitchFamily="49" charset="0"/>
+                <a:cs typeface="Courier New" panose="02070309020205020404" pitchFamily="49" charset="0"/>
+              </a:rPr>
+              <a:t>makeOMEX</a:t>
+            </a:r>
+            <a:endParaRPr lang="en-US" dirty="0">
+              <a:latin typeface="Courier New" panose="02070309020205020404" pitchFamily="49" charset="0"/>
+              <a:cs typeface="Courier New" panose="02070309020205020404" pitchFamily="49" charset="0"/>
+            </a:endParaRPr>
+          </a:p>
+        </p:txBody>
+      </p:sp>
+    </p:spTree>
+    <p:extLst>
+      <p:ext uri="{BB962C8B-B14F-4D97-AF65-F5344CB8AC3E}">
+        <p14:creationId xmlns:p14="http://schemas.microsoft.com/office/powerpoint/2010/main" val="2983617868"/>
+      </p:ext>
+    </p:extLst>
+  </p:cSld>
+  <p:clrMapOvr>
+    <a:masterClrMapping/>
+  </p:clrMapOvr>
+  <p:timing>
+    <p:tnLst>
+      <p:par>
+        <p:cTn id="1" dur="indefinite" restart="never" nodeType="tmRoot">
+          <p:childTnLst>
+            <p:seq concurrent="1" nextAc="seek">
+              <p:cTn id="2" dur="indefinite" nodeType="mainSeq">
+                <p:childTnLst>
+                  <p:par>
+                    <p:cTn id="3" fill="hold">
+                      <p:stCondLst>
+                        <p:cond delay="indefinite"/>
+                      </p:stCondLst>
+                      <p:childTnLst>
+                        <p:par>
+                          <p:cTn id="4" fill="hold">
+                            <p:stCondLst>
+                              <p:cond delay="0"/>
+                            </p:stCondLst>
+                            <p:childTnLst>
+                              <p:par>
+                                <p:cTn id="5" presetID="1" presetClass="entr" presetSubtype="0" fill="hold" nodeType="clickEffect">
+                                  <p:stCondLst>
+                                    <p:cond delay="0"/>
+                                  </p:stCondLst>
+                                  <p:childTnLst>
+                                    <p:set>
+                                      <p:cBhvr>
+                                        <p:cTn id="6" dur="1" fill="hold">
+                                          <p:stCondLst>
+                                            <p:cond delay="0"/>
+                                          </p:stCondLst>
+                                        </p:cTn>
+                                        <p:tgtEl>
+                                          <p:spTgt spid="3">
+                                            <p:txEl>
+                                              <p:pRg st="1" end="1"/>
+                                            </p:txEl>
+                                          </p:spTgt>
+                                        </p:tgtEl>
+                                        <p:attrNameLst>
+                                          <p:attrName>style.visibility</p:attrName>
+                                        </p:attrNameLst>
+                                      </p:cBhvr>
+                                      <p:to>
+                                        <p:strVal val="visible"/>
+                                      </p:to>
+                                    </p:set>
+                                  </p:childTnLst>
+                                </p:cTn>
+                              </p:par>
+                              <p:par>
+                                <p:cTn id="7" presetID="1" presetClass="entr" presetSubtype="0" fill="hold" nodeType="withEffect">
+                                  <p:stCondLst>
+                                    <p:cond delay="0"/>
+                                  </p:stCondLst>
+                                  <p:childTnLst>
+                                    <p:set>
+                                      <p:cBhvr>
+                                        <p:cTn id="8" dur="1" fill="hold">
+                                          <p:stCondLst>
+                                            <p:cond delay="0"/>
+                                          </p:stCondLst>
+                                        </p:cTn>
+                                        <p:tgtEl>
+                                          <p:spTgt spid="3">
+                                            <p:txEl>
+                                              <p:pRg st="2" end="2"/>
+                                            </p:txEl>
+                                          </p:spTgt>
+                                        </p:tgtEl>
+                                        <p:attrNameLst>
+                                          <p:attrName>style.visibility</p:attrName>
+                                        </p:attrNameLst>
+                                      </p:cBhvr>
+                                      <p:to>
+                                        <p:strVal val="visible"/>
+                                      </p:to>
+                                    </p:set>
+                                  </p:childTnLst>
+                                </p:cTn>
+                              </p:par>
+                              <p:par>
+                                <p:cTn id="9" presetID="1" presetClass="entr" presetSubtype="0" fill="hold" nodeType="withEffect">
+                                  <p:stCondLst>
+                                    <p:cond delay="0"/>
+                                  </p:stCondLst>
+                                  <p:childTnLst>
+                                    <p:set>
+                                      <p:cBhvr>
+                                        <p:cTn id="10" dur="1" fill="hold">
+                                          <p:stCondLst>
+                                            <p:cond delay="0"/>
+                                          </p:stCondLst>
+                                        </p:cTn>
+                                        <p:tgtEl>
+                                          <p:spTgt spid="3">
+                                            <p:txEl>
+                                              <p:pRg st="3" end="3"/>
+                                            </p:txEl>
+                                          </p:spTgt>
+                                        </p:tgtEl>
+                                        <p:attrNameLst>
+                                          <p:attrName>style.visibility</p:attrName>
+                                        </p:attrNameLst>
+                                      </p:cBhvr>
+                                      <p:to>
+                                        <p:strVal val="visible"/>
+                                      </p:to>
+                                    </p:set>
+                                  </p:childTnLst>
+                                </p:cTn>
+                              </p:par>
+                              <p:par>
+                                <p:cTn id="11" presetID="1" presetClass="entr" presetSubtype="0" fill="hold" nodeType="withEffect">
+                                  <p:stCondLst>
+                                    <p:cond delay="0"/>
+                                  </p:stCondLst>
+                                  <p:childTnLst>
+                                    <p:set>
+                                      <p:cBhvr>
+                                        <p:cTn id="12" dur="1" fill="hold">
+                                          <p:stCondLst>
+                                            <p:cond delay="0"/>
+                                          </p:stCondLst>
+                                        </p:cTn>
+                                        <p:tgtEl>
+                                          <p:spTgt spid="3">
+                                            <p:txEl>
+                                              <p:pRg st="4" end="4"/>
+                                            </p:txEl>
+                                          </p:spTgt>
+                                        </p:tgtEl>
+                                        <p:attrNameLst>
+                                          <p:attrName>style.visibility</p:attrName>
+                                        </p:attrNameLst>
+                                      </p:cBhvr>
+                                      <p:to>
+                                        <p:strVal val="visible"/>
+                                      </p:to>
+                                    </p:set>
+                                  </p:childTnLst>
+                                </p:cTn>
+                              </p:par>
+                            </p:childTnLst>
+                          </p:cTn>
+                        </p:par>
+                      </p:childTnLst>
+                    </p:cTn>
+                  </p:par>
+                  <p:par>
+                    <p:cTn id="13" fill="hold">
+                      <p:stCondLst>
+                        <p:cond delay="indefinite"/>
+                      </p:stCondLst>
+                      <p:childTnLst>
+                        <p:par>
+                          <p:cTn id="14" fill="hold">
+                            <p:stCondLst>
+                              <p:cond delay="0"/>
+                            </p:stCondLst>
+                            <p:childTnLst>
+                              <p:par>
+                                <p:cTn id="15" presetID="1" presetClass="entr" presetSubtype="0" fill="hold" nodeType="clickEffect">
+                                  <p:stCondLst>
+                                    <p:cond delay="0"/>
+                                  </p:stCondLst>
+                                  <p:childTnLst>
+                                    <p:set>
+                                      <p:cBhvr>
+                                        <p:cTn id="16" dur="1" fill="hold">
+                                          <p:stCondLst>
+                                            <p:cond delay="0"/>
+                                          </p:stCondLst>
+                                        </p:cTn>
+                                        <p:tgtEl>
+                                          <p:spTgt spid="3">
+                                            <p:txEl>
+                                              <p:pRg st="5" end="5"/>
+                                            </p:txEl>
+                                          </p:spTgt>
+                                        </p:tgtEl>
+                                        <p:attrNameLst>
+                                          <p:attrName>style.visibility</p:attrName>
+                                        </p:attrNameLst>
+                                      </p:cBhvr>
+                                      <p:to>
+                                        <p:strVal val="visible"/>
+                                      </p:to>
+                                    </p:set>
+                                  </p:childTnLst>
+                                </p:cTn>
+                              </p:par>
+                              <p:par>
+                                <p:cTn id="17" presetID="1" presetClass="entr" presetSubtype="0" fill="hold" nodeType="withEffect">
+                                  <p:stCondLst>
+                                    <p:cond delay="0"/>
+                                  </p:stCondLst>
+                                  <p:childTnLst>
+                                    <p:set>
+                                      <p:cBhvr>
+                                        <p:cTn id="18" dur="1" fill="hold">
+                                          <p:stCondLst>
+                                            <p:cond delay="0"/>
+                                          </p:stCondLst>
+                                        </p:cTn>
+                                        <p:tgtEl>
+                                          <p:spTgt spid="3">
+                                            <p:txEl>
+                                              <p:pRg st="6" end="6"/>
+                                            </p:txEl>
+                                          </p:spTgt>
+                                        </p:tgtEl>
+                                        <p:attrNameLst>
+                                          <p:attrName>style.visibility</p:attrName>
+                                        </p:attrNameLst>
+                                      </p:cBhvr>
+                                      <p:to>
+                                        <p:strVal val="visible"/>
+                                      </p:to>
+                                    </p:set>
+                                  </p:childTnLst>
+                                </p:cTn>
+                              </p:par>
+                              <p:par>
+                                <p:cTn id="19" presetID="1" presetClass="entr" presetSubtype="0" fill="hold" nodeType="withEffect">
+                                  <p:stCondLst>
+                                    <p:cond delay="0"/>
+                                  </p:stCondLst>
+                                  <p:childTnLst>
+                                    <p:set>
+                                      <p:cBhvr>
+                                        <p:cTn id="20" dur="1" fill="hold">
+                                          <p:stCondLst>
+                                            <p:cond delay="0"/>
+                                          </p:stCondLst>
+                                        </p:cTn>
+                                        <p:tgtEl>
+                                          <p:spTgt spid="3">
+                                            <p:txEl>
+                                              <p:pRg st="7" end="7"/>
+                                            </p:txEl>
+                                          </p:spTgt>
+                                        </p:tgtEl>
+                                        <p:attrNameLst>
+                                          <p:attrName>style.visibility</p:attrName>
+                                        </p:attrNameLst>
+                                      </p:cBhvr>
+                                      <p:to>
+                                        <p:strVal val="visible"/>
+                                      </p:to>
+                                    </p:set>
+                                  </p:childTnLst>
+                                </p:cTn>
+                              </p:par>
+                              <p:par>
+                                <p:cTn id="21" presetID="1" presetClass="entr" presetSubtype="0" fill="hold" nodeType="withEffect">
+                                  <p:stCondLst>
+                                    <p:cond delay="0"/>
+                                  </p:stCondLst>
+                                  <p:childTnLst>
+                                    <p:set>
+                                      <p:cBhvr>
+                                        <p:cTn id="22" dur="1" fill="hold">
+                                          <p:stCondLst>
+                                            <p:cond delay="0"/>
+                                          </p:stCondLst>
+                                        </p:cTn>
+                                        <p:tgtEl>
+                                          <p:spTgt spid="3">
+                                            <p:txEl>
+                                              <p:pRg st="8" end="8"/>
+                                            </p:txEl>
+                                          </p:spTgt>
+                                        </p:tgtEl>
+                                        <p:attrNameLst>
+                                          <p:attrName>style.visibility</p:attrName>
+                                        </p:attrNameLst>
+                                      </p:cBhvr>
+                                      <p:to>
+                                        <p:strVal val="visible"/>
+                                      </p:to>
+                                    </p:set>
+                                  </p:childTnLst>
+                                </p:cTn>
+                              </p:par>
+                              <p:par>
+                                <p:cTn id="23" presetID="1" presetClass="entr" presetSubtype="0" fill="hold" nodeType="withEffect">
+                                  <p:stCondLst>
+                                    <p:cond delay="0"/>
+                                  </p:stCondLst>
+                                  <p:childTnLst>
+                                    <p:set>
+                                      <p:cBhvr>
+                                        <p:cTn id="24" dur="1" fill="hold">
+                                          <p:stCondLst>
+                                            <p:cond delay="0"/>
+                                          </p:stCondLst>
+                                        </p:cTn>
+                                        <p:tgtEl>
+                                          <p:spTgt spid="3">
+                                            <p:txEl>
+                                              <p:pRg st="9" end="9"/>
+                                            </p:txEl>
+                                          </p:spTgt>
+                                        </p:tgtEl>
+                                        <p:attrNameLst>
+                                          <p:attrName>style.visibility</p:attrName>
+                                        </p:attrNameLst>
+                                      </p:cBhvr>
+                                      <p:to>
+                                        <p:strVal val="visible"/>
+                                      </p:to>
+                                    </p:set>
+                                  </p:childTnLst>
+                                </p:cTn>
+                              </p:par>
+                            </p:childTnLst>
+                          </p:cTn>
+                        </p:par>
+                      </p:childTnLst>
+                    </p:cTn>
+                  </p:par>
+                </p:childTnLst>
+              </p:cTn>
+              <p:prevCondLst>
+                <p:cond evt="onPrev" delay="0">
+                  <p:tgtEl>
+                    <p:sldTgt/>
+                  </p:tgtEl>
+                </p:cond>
+              </p:prevCondLst>
+              <p:nextCondLst>
+                <p:cond evt="onNext" delay="0">
+                  <p:tgtEl>
+                    <p:sldTgt/>
+                  </p:tgtEl>
+                </p:cond>
+              </p:nextCondLst>
+            </p:seq>
+          </p:childTnLst>
+        </p:cTn>
+      </p:par>
+    </p:tnLst>
+  </p:timing>
+</p:sld>
+</file>
+
+<file path=ppt/slides/slide6.xml><?xml version="1.0" encoding="utf-8"?>
 <p:sld xmlns:a="http://schemas.openxmlformats.org/drawingml/2006/main" xmlns:r="http://schemas.openxmlformats.org/officeDocument/2006/relationships" xmlns:p="http://schemas.openxmlformats.org/presentationml/2006/main">
   <p:cSld>
     <p:spTree>
